--- a/後期/形式検証とモデル検査.pptx
+++ b/後期/形式検証とモデル検査.pptx
@@ -5,12 +5,10 @@
     <p:sldMasterId id="2147483789" r:id="rId1"/>
   </p:sldMasterIdLst>
   <p:notesMasterIdLst>
-    <p:notesMasterId r:id="rId5"/>
+    <p:notesMasterId r:id="rId3"/>
   </p:notesMasterIdLst>
   <p:sldIdLst>
-    <p:sldId id="256" r:id="rId2"/>
-    <p:sldId id="258" r:id="rId3"/>
-    <p:sldId id="259" r:id="rId4"/>
+    <p:sldId id="259" r:id="rId2"/>
   </p:sldIdLst>
   <p:sldSz cx="9144000" cy="6858000" type="screen4x3"/>
   <p:notesSz cx="6858000" cy="9144000"/>
@@ -7502,289 +7500,6 @@
           <p:cNvPr id="2" name="タイトル 1">
             <a:extLst>
               <a:ext uri="{FF2B5EF4-FFF2-40B4-BE49-F238E27FC236}">
-                <a16:creationId xmlns:a16="http://schemas.microsoft.com/office/drawing/2014/main" id="{B1C1141D-B161-C343-A37F-CE55BCE5B0D0}"/>
-              </a:ext>
-            </a:extLst>
-          </p:cNvPr>
-          <p:cNvSpPr>
-            <a:spLocks noGrp="1"/>
-          </p:cNvSpPr>
-          <p:nvPr>
-            <p:ph type="ctrTitle"/>
-          </p:nvPr>
-        </p:nvSpPr>
-        <p:spPr/>
-        <p:txBody>
-          <a:bodyPr/>
-          <a:lstStyle/>
-          <a:p>
-            <a:endParaRPr kumimoji="1" lang="ja-JP" altLang="en-US"/>
-          </a:p>
-        </p:txBody>
-      </p:sp>
-      <p:sp>
-        <p:nvSpPr>
-          <p:cNvPr id="3" name="字幕 2">
-            <a:extLst>
-              <a:ext uri="{FF2B5EF4-FFF2-40B4-BE49-F238E27FC236}">
-                <a16:creationId xmlns:a16="http://schemas.microsoft.com/office/drawing/2014/main" id="{96999108-DF8B-E24A-9984-9BEAFFB9A294}"/>
-              </a:ext>
-            </a:extLst>
-          </p:cNvPr>
-          <p:cNvSpPr>
-            <a:spLocks noGrp="1"/>
-          </p:cNvSpPr>
-          <p:nvPr>
-            <p:ph type="subTitle" idx="1"/>
-          </p:nvPr>
-        </p:nvSpPr>
-        <p:spPr/>
-        <p:txBody>
-          <a:bodyPr/>
-          <a:lstStyle/>
-          <a:p>
-            <a:endParaRPr kumimoji="1" lang="ja-JP" altLang="en-US"/>
-          </a:p>
-        </p:txBody>
-      </p:sp>
-    </p:spTree>
-    <p:extLst>
-      <p:ext uri="{BB962C8B-B14F-4D97-AF65-F5344CB8AC3E}">
-        <p14:creationId xmlns:p14="http://schemas.microsoft.com/office/powerpoint/2010/main" val="1719855224"/>
-      </p:ext>
-    </p:extLst>
-  </p:cSld>
-  <p:clrMapOvr>
-    <a:masterClrMapping/>
-  </p:clrMapOvr>
-</p:sld>
-</file>
-
-<file path=ppt/slides/slide2.xml><?xml version="1.0" encoding="utf-8"?>
-<p:sld xmlns:a="http://schemas.openxmlformats.org/drawingml/2006/main" xmlns:r="http://schemas.openxmlformats.org/officeDocument/2006/relationships" xmlns:p="http://schemas.openxmlformats.org/presentationml/2006/main">
-  <p:cSld>
-    <p:spTree>
-      <p:nvGrpSpPr>
-        <p:cNvPr id="1" name=""/>
-        <p:cNvGrpSpPr/>
-        <p:nvPr/>
-      </p:nvGrpSpPr>
-      <p:grpSpPr>
-        <a:xfrm>
-          <a:off x="0" y="0"/>
-          <a:ext cx="0" cy="0"/>
-          <a:chOff x="0" y="0"/>
-          <a:chExt cx="0" cy="0"/>
-        </a:xfrm>
-      </p:grpSpPr>
-      <p:sp>
-        <p:nvSpPr>
-          <p:cNvPr id="2" name="タイトル 1">
-            <a:extLst>
-              <a:ext uri="{FF2B5EF4-FFF2-40B4-BE49-F238E27FC236}">
-                <a16:creationId xmlns:a16="http://schemas.microsoft.com/office/drawing/2014/main" id="{7AB3981C-E1AE-534B-AEB7-C6A56E61B07E}"/>
-              </a:ext>
-            </a:extLst>
-          </p:cNvPr>
-          <p:cNvSpPr>
-            <a:spLocks noGrp="1"/>
-          </p:cNvSpPr>
-          <p:nvPr>
-            <p:ph type="title"/>
-          </p:nvPr>
-        </p:nvSpPr>
-        <p:spPr/>
-        <p:txBody>
-          <a:bodyPr>
-            <a:noAutofit/>
-          </a:bodyPr>
-          <a:lstStyle/>
-          <a:p>
-            <a:r>
-              <a:rPr lang="en" altLang="ja-JP" sz="2100" dirty="0">
-                <a:latin typeface="Times New Roman" panose="02020603050405020304" pitchFamily="18" charset="0"/>
-                <a:cs typeface="Times New Roman" panose="02020603050405020304" pitchFamily="18" charset="0"/>
-              </a:rPr>
-              <a:t>Formal Specification and Model Checking of the Lim-</a:t>
-            </a:r>
-            <a:r>
-              <a:rPr lang="en" altLang="ja-JP" sz="2100" dirty="0" err="1">
-                <a:latin typeface="Times New Roman" panose="02020603050405020304" pitchFamily="18" charset="0"/>
-                <a:cs typeface="Times New Roman" panose="02020603050405020304" pitchFamily="18" charset="0"/>
-              </a:rPr>
-              <a:t>Jeong</a:t>
-            </a:r>
-            <a:r>
-              <a:rPr lang="en" altLang="ja-JP" sz="2100" dirty="0">
-                <a:latin typeface="Times New Roman" panose="02020603050405020304" pitchFamily="18" charset="0"/>
-                <a:cs typeface="Times New Roman" panose="02020603050405020304" pitchFamily="18" charset="0"/>
-              </a:rPr>
-              <a:t>-Park-Lee Autonomous Vehicle Intersection Control Protocol </a:t>
-            </a:r>
-            <a:endParaRPr lang="ja-JP" altLang="en-US" sz="2100">
-              <a:latin typeface="Times New Roman" panose="02020603050405020304" pitchFamily="18" charset="0"/>
-              <a:cs typeface="Times New Roman" panose="02020603050405020304" pitchFamily="18" charset="0"/>
-            </a:endParaRPr>
-          </a:p>
-        </p:txBody>
-      </p:sp>
-      <p:sp>
-        <p:nvSpPr>
-          <p:cNvPr id="3" name="コンテンツ プレースホルダー 2">
-            <a:extLst>
-              <a:ext uri="{FF2B5EF4-FFF2-40B4-BE49-F238E27FC236}">
-                <a16:creationId xmlns:a16="http://schemas.microsoft.com/office/drawing/2014/main" id="{6FB0B3EC-E2D6-B94E-83AB-A7474936404A}"/>
-              </a:ext>
-            </a:extLst>
-          </p:cNvPr>
-          <p:cNvSpPr>
-            <a:spLocks noGrp="1"/>
-          </p:cNvSpPr>
-          <p:nvPr>
-            <p:ph sz="quarter" idx="13"/>
-          </p:nvPr>
-        </p:nvSpPr>
-        <p:spPr/>
-        <p:txBody>
-          <a:bodyPr/>
-          <a:lstStyle/>
-          <a:p>
-            <a:r>
-              <a:rPr lang="en" altLang="ja-JP" dirty="0"/>
-              <a:t>Formal Specification and Model Checking of the Lim-</a:t>
-            </a:r>
-            <a:r>
-              <a:rPr lang="en" altLang="ja-JP" dirty="0" err="1"/>
-              <a:t>Jeong</a:t>
-            </a:r>
-            <a:r>
-              <a:rPr lang="en" altLang="ja-JP" dirty="0"/>
-              <a:t>-Park-Lee Autonomous Vehicle Intersection Control Protocol</a:t>
-            </a:r>
-          </a:p>
-        </p:txBody>
-      </p:sp>
-      <p:sp>
-        <p:nvSpPr>
-          <p:cNvPr id="4" name="日付プレースホルダー 3">
-            <a:extLst>
-              <a:ext uri="{FF2B5EF4-FFF2-40B4-BE49-F238E27FC236}">
-                <a16:creationId xmlns:a16="http://schemas.microsoft.com/office/drawing/2014/main" id="{5FE4C1EA-3980-0B4A-B24C-B238805D8B28}"/>
-              </a:ext>
-            </a:extLst>
-          </p:cNvPr>
-          <p:cNvSpPr>
-            <a:spLocks noGrp="1"/>
-          </p:cNvSpPr>
-          <p:nvPr>
-            <p:ph type="dt" sz="half" idx="10"/>
-          </p:nvPr>
-        </p:nvSpPr>
-        <p:spPr/>
-        <p:txBody>
-          <a:bodyPr/>
-          <a:lstStyle/>
-          <a:p>
-            <a:r>
-              <a:rPr kumimoji="1" lang="en-US" altLang="ja-JP"/>
-              <a:t>2019/12/5</a:t>
-            </a:r>
-            <a:endParaRPr kumimoji="1" lang="ja-JP" altLang="en-US"/>
-          </a:p>
-        </p:txBody>
-      </p:sp>
-      <p:sp>
-        <p:nvSpPr>
-          <p:cNvPr id="5" name="フッター プレースホルダー 4">
-            <a:extLst>
-              <a:ext uri="{FF2B5EF4-FFF2-40B4-BE49-F238E27FC236}">
-                <a16:creationId xmlns:a16="http://schemas.microsoft.com/office/drawing/2014/main" id="{3DA98691-E667-0047-878B-B98582E34D76}"/>
-              </a:ext>
-            </a:extLst>
-          </p:cNvPr>
-          <p:cNvSpPr>
-            <a:spLocks noGrp="1"/>
-          </p:cNvSpPr>
-          <p:nvPr>
-            <p:ph type="ftr" sz="quarter" idx="11"/>
-          </p:nvPr>
-        </p:nvSpPr>
-        <p:spPr/>
-        <p:txBody>
-          <a:bodyPr/>
-          <a:lstStyle/>
-          <a:p>
-            <a:r>
-              <a:rPr kumimoji="1" lang="ja-JP" altLang="en-US"/>
-              <a:t>人間情報工学</a:t>
-            </a:r>
-          </a:p>
-        </p:txBody>
-      </p:sp>
-      <p:sp>
-        <p:nvSpPr>
-          <p:cNvPr id="6" name="スライド番号プレースホルダー 5">
-            <a:extLst>
-              <a:ext uri="{FF2B5EF4-FFF2-40B4-BE49-F238E27FC236}">
-                <a16:creationId xmlns:a16="http://schemas.microsoft.com/office/drawing/2014/main" id="{68DECA6F-BEFE-A64E-9334-B341134385B9}"/>
-              </a:ext>
-            </a:extLst>
-          </p:cNvPr>
-          <p:cNvSpPr>
-            <a:spLocks noGrp="1"/>
-          </p:cNvSpPr>
-          <p:nvPr>
-            <p:ph type="sldNum" sz="quarter" idx="12"/>
-          </p:nvPr>
-        </p:nvSpPr>
-        <p:spPr/>
-        <p:txBody>
-          <a:bodyPr/>
-          <a:lstStyle/>
-          <a:p>
-            <a:fld id="{254B3A57-5A0A-5F44-B299-C2145849F6F1}" type="slidenum">
-              <a:rPr kumimoji="1" lang="ja-JP" altLang="en-US" smtClean="0"/>
-              <a:t>2</a:t>
-            </a:fld>
-            <a:endParaRPr kumimoji="1" lang="ja-JP" altLang="en-US"/>
-          </a:p>
-        </p:txBody>
-      </p:sp>
-    </p:spTree>
-    <p:extLst>
-      <p:ext uri="{BB962C8B-B14F-4D97-AF65-F5344CB8AC3E}">
-        <p14:creationId xmlns:p14="http://schemas.microsoft.com/office/powerpoint/2010/main" val="2068328467"/>
-      </p:ext>
-    </p:extLst>
-  </p:cSld>
-  <p:clrMapOvr>
-    <a:masterClrMapping/>
-  </p:clrMapOvr>
-</p:sld>
-</file>
-
-<file path=ppt/slides/slide3.xml><?xml version="1.0" encoding="utf-8"?>
-<p:sld xmlns:a="http://schemas.openxmlformats.org/drawingml/2006/main" xmlns:r="http://schemas.openxmlformats.org/officeDocument/2006/relationships" xmlns:p="http://schemas.openxmlformats.org/presentationml/2006/main">
-  <p:cSld>
-    <p:spTree>
-      <p:nvGrpSpPr>
-        <p:cNvPr id="1" name=""/>
-        <p:cNvGrpSpPr/>
-        <p:nvPr/>
-      </p:nvGrpSpPr>
-      <p:grpSpPr>
-        <a:xfrm>
-          <a:off x="0" y="0"/>
-          <a:ext cx="0" cy="0"/>
-          <a:chOff x="0" y="0"/>
-          <a:chExt cx="0" cy="0"/>
-        </a:xfrm>
-      </p:grpSpPr>
-      <p:sp>
-        <p:nvSpPr>
-          <p:cNvPr id="2" name="タイトル 1">
-            <a:extLst>
-              <a:ext uri="{FF2B5EF4-FFF2-40B4-BE49-F238E27FC236}">
                 <a16:creationId xmlns:a16="http://schemas.microsoft.com/office/drawing/2014/main" id="{1B0D5A6D-A465-4143-937E-92E5A5F0A7C0}"/>
               </a:ext>
             </a:extLst>
@@ -7798,12 +7513,25 @@
         </p:nvSpPr>
         <p:spPr/>
         <p:txBody>
-          <a:bodyPr/>
+          <a:bodyPr>
+            <a:normAutofit fontScale="90000"/>
+          </a:bodyPr>
           <a:lstStyle/>
           <a:p>
             <a:r>
-              <a:rPr kumimoji="1" lang="en-US" altLang="ja-JP"/>
-              <a:t>LJ</a:t>
+              <a:rPr lang="ja-JP" altLang="en-US"/>
+              <a:t>交差点における自動運転車群制御</a:t>
+            </a:r>
+            <a:r>
+              <a:rPr lang="en-US" altLang="ja-JP" dirty="0">
+                <a:latin typeface="+mn-ea"/>
+                <a:ea typeface="+mn-ea"/>
+              </a:rPr>
+              <a:t>LJPL</a:t>
+            </a:r>
+            <a:r>
+              <a:rPr lang="ja-JP" altLang="en-US"/>
+              <a:t>プロトコルのモデル検査と形式検証</a:t>
             </a:r>
             <a:endParaRPr kumimoji="1" lang="ja-JP" altLang="en-US"/>
           </a:p>
@@ -7830,7 +7558,21 @@
           <a:bodyPr/>
           <a:lstStyle/>
           <a:p>
-            <a:endParaRPr kumimoji="1" lang="ja-JP" altLang="en-US"/>
+            <a:r>
+              <a:rPr kumimoji="1" lang="ja-JP" altLang="en-US"/>
+              <a:t>多数の車両を一つの群として，交差点を通過する自動運転車群制御プロトコルの形式検証とモデル検査を行う．</a:t>
+            </a:r>
+            <a:endParaRPr kumimoji="1" lang="en-US" altLang="ja-JP" dirty="0"/>
+          </a:p>
+          <a:p>
+            <a:r>
+              <a:rPr lang="en" altLang="ja-JP" dirty="0"/>
+              <a:t>LJPL</a:t>
+            </a:r>
+            <a:r>
+              <a:rPr lang="ja-JP" altLang="en-US"/>
+              <a:t>プロトコルで使用される機能は正式に指定し、モデル検査実験中のデッドロック状態を回避するために時間を全順序とする論理クロックを使用しながら修正する必要があることがわかった．</a:t>
+            </a:r>
           </a:p>
         </p:txBody>
       </p:sp>
@@ -7914,12 +7656,42 @@
           <a:p>
             <a:fld id="{254B3A57-5A0A-5F44-B299-C2145849F6F1}" type="slidenum">
               <a:rPr kumimoji="1" lang="ja-JP" altLang="en-US" smtClean="0"/>
-              <a:t>3</a:t>
+              <a:t>1</a:t>
             </a:fld>
             <a:endParaRPr kumimoji="1" lang="ja-JP" altLang="en-US"/>
           </a:p>
         </p:txBody>
       </p:sp>
+      <p:pic>
+        <p:nvPicPr>
+          <p:cNvPr id="11" name="図 10">
+            <a:extLst>
+              <a:ext uri="{FF2B5EF4-FFF2-40B4-BE49-F238E27FC236}">
+                <a16:creationId xmlns:a16="http://schemas.microsoft.com/office/drawing/2014/main" id="{F58F5DCB-D745-D545-9C11-E5C4194E0DCF}"/>
+              </a:ext>
+            </a:extLst>
+          </p:cNvPr>
+          <p:cNvPicPr>
+            <a:picLocks noChangeAspect="1"/>
+          </p:cNvPicPr>
+          <p:nvPr/>
+        </p:nvPicPr>
+        <p:blipFill>
+          <a:blip r:embed="rId2"/>
+          <a:stretch>
+            <a:fillRect/>
+          </a:stretch>
+        </p:blipFill>
+        <p:spPr>
+          <a:xfrm>
+            <a:off x="5537200" y="3759201"/>
+            <a:ext cx="2921000" cy="2032000"/>
+          </a:xfrm>
+          <a:prstGeom prst="rect">
+            <a:avLst/>
+          </a:prstGeom>
+        </p:spPr>
+      </p:pic>
     </p:spTree>
     <p:extLst>
       <p:ext uri="{BB962C8B-B14F-4D97-AF65-F5344CB8AC3E}">
